--- a/Resources/AIMMSPRO/StopSolveServerSession/Images/StopSolveServerSession.pptx
+++ b/Resources/AIMMSPRO/StopSolveServerSession/Images/StopSolveServerSession.pptx
@@ -5,13 +5,14 @@
     <p:sldMasterId id="2147483684" r:id="rId4"/>
   </p:sldMasterIdLst>
   <p:notesMasterIdLst>
-    <p:notesMasterId r:id="rId6"/>
+    <p:notesMasterId r:id="rId7"/>
   </p:notesMasterIdLst>
   <p:handoutMasterIdLst>
-    <p:handoutMasterId r:id="rId7"/>
+    <p:handoutMasterId r:id="rId8"/>
   </p:handoutMasterIdLst>
   <p:sldIdLst>
     <p:sldId id="256" r:id="rId5"/>
+    <p:sldId id="258" r:id="rId6"/>
   </p:sldIdLst>
   <p:sldSz cx="12192000" cy="6858000"/>
   <p:notesSz cx="6858000" cy="9144000"/>
@@ -220,7 +221,7 @@
             <a:fld id="{B1603AB5-52B7-8045-BEFE-97F8347DAEAC}" type="datetimeFigureOut">
               <a:rPr lang="en-US" smtClean="0"/>
               <a:pPr/>
-              <a:t>4/4/2018</a:t>
+              <a:t>5/14/2018</a:t>
             </a:fld>
             <a:endParaRPr lang="en-US"/>
           </a:p>
@@ -388,7 +389,7 @@
             <a:fld id="{EFF03303-0379-0E48-9B93-EC7286F8FEE5}" type="datetimeFigureOut">
               <a:rPr lang="en-US" smtClean="0"/>
               <a:pPr/>
-              <a:t>4/4/2018</a:t>
+              <a:t>5/14/2018</a:t>
             </a:fld>
             <a:endParaRPr lang="en-US"/>
           </a:p>
@@ -4899,6 +4900,747 @@
     <p:extLst>
       <p:ext uri="{BB962C8B-B14F-4D97-AF65-F5344CB8AC3E}">
         <p14:creationId xmlns:p14="http://schemas.microsoft.com/office/powerpoint/2010/main" val="2840126846"/>
+      </p:ext>
+    </p:extLst>
+  </p:cSld>
+  <p:clrMapOvr>
+    <a:masterClrMapping/>
+  </p:clrMapOvr>
+</p:sld>
+</file>
+
+<file path=ppt/slides/slide2.xml><?xml version="1.0" encoding="utf-8"?>
+<p:sld xmlns:a="http://schemas.openxmlformats.org/drawingml/2006/main" xmlns:r="http://schemas.openxmlformats.org/officeDocument/2006/relationships" xmlns:p="http://schemas.openxmlformats.org/presentationml/2006/main">
+  <p:cSld>
+    <p:spTree>
+      <p:nvGrpSpPr>
+        <p:cNvPr id="1" name=""/>
+        <p:cNvGrpSpPr/>
+        <p:nvPr/>
+      </p:nvGrpSpPr>
+      <p:grpSpPr>
+        <a:xfrm>
+          <a:off x="0" y="0"/>
+          <a:ext cx="0" cy="0"/>
+          <a:chOff x="0" y="0"/>
+          <a:chExt cx="0" cy="0"/>
+        </a:xfrm>
+      </p:grpSpPr>
+      <p:sp>
+        <p:nvSpPr>
+          <p:cNvPr id="2" name="Title 1">
+            <a:extLst>
+              <a:ext uri="{FF2B5EF4-FFF2-40B4-BE49-F238E27FC236}">
+                <a16:creationId xmlns:a16="http://schemas.microsoft.com/office/drawing/2014/main" id="{C1B27394-F645-4A77-85ED-65A3E431DD5D}"/>
+              </a:ext>
+            </a:extLst>
+          </p:cNvPr>
+          <p:cNvSpPr>
+            <a:spLocks noGrp="1"/>
+          </p:cNvSpPr>
+          <p:nvPr>
+            <p:ph type="title"/>
+          </p:nvPr>
+        </p:nvSpPr>
+        <p:spPr>
+          <a:xfrm>
+            <a:off x="838201" y="1092356"/>
+            <a:ext cx="10669579" cy="450850"/>
+          </a:xfrm>
+        </p:spPr>
+        <p:txBody>
+          <a:bodyPr/>
+          <a:lstStyle/>
+          <a:p>
+            <a:pPr algn="ctr"/>
+            <a:r>
+              <a:rPr lang="en-US" dirty="0"/>
+              <a:t>Queues between data session and server session.</a:t>
+            </a:r>
+          </a:p>
+        </p:txBody>
+      </p:sp>
+      <p:sp>
+        <p:nvSpPr>
+          <p:cNvPr id="3" name="Slide Number Placeholder 2">
+            <a:extLst>
+              <a:ext uri="{FF2B5EF4-FFF2-40B4-BE49-F238E27FC236}">
+                <a16:creationId xmlns:a16="http://schemas.microsoft.com/office/drawing/2014/main" id="{A48AF714-4D90-40FA-A9A1-853CE9F77300}"/>
+              </a:ext>
+            </a:extLst>
+          </p:cNvPr>
+          <p:cNvSpPr>
+            <a:spLocks noGrp="1"/>
+          </p:cNvSpPr>
+          <p:nvPr>
+            <p:ph type="sldNum" sz="quarter" idx="4"/>
+          </p:nvPr>
+        </p:nvSpPr>
+        <p:spPr/>
+        <p:txBody>
+          <a:bodyPr/>
+          <a:lstStyle/>
+          <a:p>
+            <a:pPr marL="0" marR="0" lvl="0" indent="0" algn="l" defTabSz="457200" rtl="0" eaLnBrk="1" fontAlgn="auto" latinLnBrk="0" hangingPunct="1">
+              <a:lnSpc>
+                <a:spcPct val="100000"/>
+              </a:lnSpc>
+              <a:spcBef>
+                <a:spcPts val="0"/>
+              </a:spcBef>
+              <a:spcAft>
+                <a:spcPts val="0"/>
+              </a:spcAft>
+              <a:buClrTx/>
+              <a:buSzTx/>
+              <a:buFontTx/>
+              <a:buNone/>
+              <a:tabLst/>
+              <a:defRPr/>
+            </a:pPr>
+            <a:fld id="{937E74B9-F793-1749-8FE6-1D741809000E}" type="slidenum">
+              <a:rPr kumimoji="0" lang="en-US" sz="1000" b="0" i="0" u="none" strike="noStrike" kern="1200" cap="none" spc="0" normalizeH="0" baseline="0" noProof="0" smtClean="0">
+                <a:ln>
+                  <a:noFill/>
+                </a:ln>
+                <a:solidFill>
+                  <a:srgbClr val="585858"/>
+                </a:solidFill>
+                <a:effectLst/>
+                <a:uLnTx/>
+                <a:uFillTx/>
+                <a:latin typeface="Arial" panose="020B0604020202020204" pitchFamily="34" charset="0"/>
+                <a:ea typeface="+mn-ea"/>
+                <a:cs typeface="Arial" panose="020B0604020202020204" pitchFamily="34" charset="0"/>
+              </a:rPr>
+              <a:pPr marL="0" marR="0" lvl="0" indent="0" algn="l" defTabSz="457200" rtl="0" eaLnBrk="1" fontAlgn="auto" latinLnBrk="0" hangingPunct="1">
+                <a:lnSpc>
+                  <a:spcPct val="100000"/>
+                </a:lnSpc>
+                <a:spcBef>
+                  <a:spcPts val="0"/>
+                </a:spcBef>
+                <a:spcAft>
+                  <a:spcPts val="0"/>
+                </a:spcAft>
+                <a:buClrTx/>
+                <a:buSzTx/>
+                <a:buFontTx/>
+                <a:buNone/>
+                <a:tabLst/>
+                <a:defRPr/>
+              </a:pPr>
+              <a:t>2</a:t>
+            </a:fld>
+            <a:endParaRPr kumimoji="0" lang="en-US" sz="1000" b="0" i="0" u="none" strike="noStrike" kern="1200" cap="none" spc="0" normalizeH="0" baseline="0" noProof="0" dirty="0">
+              <a:ln>
+                <a:noFill/>
+              </a:ln>
+              <a:solidFill>
+                <a:srgbClr val="585858"/>
+              </a:solidFill>
+              <a:effectLst/>
+              <a:uLnTx/>
+              <a:uFillTx/>
+              <a:latin typeface="Arial" panose="020B0604020202020204" pitchFamily="34" charset="0"/>
+              <a:ea typeface="+mn-ea"/>
+              <a:cs typeface="Arial" panose="020B0604020202020204" pitchFamily="34" charset="0"/>
+            </a:endParaRPr>
+          </a:p>
+        </p:txBody>
+      </p:sp>
+      <p:sp>
+        <p:nvSpPr>
+          <p:cNvPr id="4" name="Rectangle: Rounded Corners 3">
+            <a:extLst>
+              <a:ext uri="{FF2B5EF4-FFF2-40B4-BE49-F238E27FC236}">
+                <a16:creationId xmlns:a16="http://schemas.microsoft.com/office/drawing/2014/main" id="{15754E5D-1E2E-4D88-B964-2F97C72BFFF1}"/>
+              </a:ext>
+            </a:extLst>
+          </p:cNvPr>
+          <p:cNvSpPr/>
+          <p:nvPr/>
+        </p:nvSpPr>
+        <p:spPr>
+          <a:xfrm>
+            <a:off x="869446" y="1719743"/>
+            <a:ext cx="2886511" cy="3607266"/>
+          </a:xfrm>
+          <a:prstGeom prst="roundRect">
+            <a:avLst/>
+          </a:prstGeom>
+        </p:spPr>
+        <p:style>
+          <a:lnRef idx="1">
+            <a:schemeClr val="accent1"/>
+          </a:lnRef>
+          <a:fillRef idx="3">
+            <a:schemeClr val="accent1"/>
+          </a:fillRef>
+          <a:effectRef idx="2">
+            <a:schemeClr val="accent1"/>
+          </a:effectRef>
+          <a:fontRef idx="minor">
+            <a:schemeClr val="lt1"/>
+          </a:fontRef>
+        </p:style>
+        <p:txBody>
+          <a:bodyPr rtlCol="0" anchor="t" anchorCtr="0"/>
+          <a:lstStyle/>
+          <a:p>
+            <a:pPr marL="0" marR="0" lvl="0" indent="0" algn="ctr" defTabSz="457200" rtl="0" eaLnBrk="1" fontAlgn="auto" latinLnBrk="0" hangingPunct="1">
+              <a:lnSpc>
+                <a:spcPct val="100000"/>
+              </a:lnSpc>
+              <a:spcBef>
+                <a:spcPts val="0"/>
+              </a:spcBef>
+              <a:spcAft>
+                <a:spcPts val="0"/>
+              </a:spcAft>
+              <a:buClrTx/>
+              <a:buSzTx/>
+              <a:buFontTx/>
+              <a:buNone/>
+              <a:tabLst/>
+              <a:defRPr/>
+            </a:pPr>
+            <a:r>
+              <a:rPr kumimoji="0" lang="en-US" sz="1800" b="0" i="0" u="none" strike="noStrike" kern="1200" cap="none" spc="0" normalizeH="0" baseline="0" noProof="0" dirty="0">
+                <a:ln>
+                  <a:noFill/>
+                </a:ln>
+                <a:solidFill>
+                  <a:srgbClr val="FFFFFF"/>
+                </a:solidFill>
+                <a:effectLst/>
+                <a:uLnTx/>
+                <a:uFillTx/>
+                <a:latin typeface="Arial" panose="020B0604020202020204"/>
+                <a:ea typeface="+mn-ea"/>
+                <a:cs typeface="+mn-cs"/>
+              </a:rPr>
+              <a:t>3. Data Session</a:t>
+            </a:r>
+          </a:p>
+        </p:txBody>
+      </p:sp>
+      <p:sp>
+        <p:nvSpPr>
+          <p:cNvPr id="5" name="Rectangle: Rounded Corners 4">
+            <a:extLst>
+              <a:ext uri="{FF2B5EF4-FFF2-40B4-BE49-F238E27FC236}">
+                <a16:creationId xmlns:a16="http://schemas.microsoft.com/office/drawing/2014/main" id="{F9B56065-1B98-4E49-9393-EA304E5A3DAF}"/>
+              </a:ext>
+            </a:extLst>
+          </p:cNvPr>
+          <p:cNvSpPr/>
+          <p:nvPr/>
+        </p:nvSpPr>
+        <p:spPr>
+          <a:xfrm>
+            <a:off x="7466202" y="1719743"/>
+            <a:ext cx="4041578" cy="3607266"/>
+          </a:xfrm>
+          <a:prstGeom prst="roundRect">
+            <a:avLst/>
+          </a:prstGeom>
+        </p:spPr>
+        <p:style>
+          <a:lnRef idx="1">
+            <a:schemeClr val="accent1"/>
+          </a:lnRef>
+          <a:fillRef idx="3">
+            <a:schemeClr val="accent1"/>
+          </a:fillRef>
+          <a:effectRef idx="2">
+            <a:schemeClr val="accent1"/>
+          </a:effectRef>
+          <a:fontRef idx="minor">
+            <a:schemeClr val="lt1"/>
+          </a:fontRef>
+        </p:style>
+        <p:txBody>
+          <a:bodyPr rtlCol="0" anchor="t" anchorCtr="0"/>
+          <a:lstStyle/>
+          <a:p>
+            <a:pPr marL="0" marR="0" lvl="0" indent="0" algn="l" defTabSz="457200" rtl="0" eaLnBrk="1" fontAlgn="auto" latinLnBrk="0" hangingPunct="1">
+              <a:lnSpc>
+                <a:spcPct val="100000"/>
+              </a:lnSpc>
+              <a:spcBef>
+                <a:spcPts val="0"/>
+              </a:spcBef>
+              <a:spcAft>
+                <a:spcPts val="0"/>
+              </a:spcAft>
+              <a:buClrTx/>
+              <a:buSzTx/>
+              <a:buFontTx/>
+              <a:buNone/>
+              <a:tabLst/>
+              <a:defRPr/>
+            </a:pPr>
+            <a:r>
+              <a:rPr kumimoji="0" lang="en-US" sz="1800" b="0" i="0" u="none" strike="noStrike" kern="1200" cap="none" spc="0" normalizeH="0" baseline="0" noProof="0" dirty="0">
+                <a:ln>
+                  <a:noFill/>
+                </a:ln>
+                <a:solidFill>
+                  <a:srgbClr val="FFFFFF"/>
+                </a:solidFill>
+                <a:effectLst/>
+                <a:uLnTx/>
+                <a:uFillTx/>
+                <a:latin typeface="Arial" panose="020B0604020202020204"/>
+                <a:ea typeface="+mn-ea"/>
+                <a:cs typeface="+mn-cs"/>
+              </a:rPr>
+              <a:t>2. Server session</a:t>
+            </a:r>
+          </a:p>
+        </p:txBody>
+      </p:sp>
+      <p:sp>
+        <p:nvSpPr>
+          <p:cNvPr id="6" name="Rectangle: Rounded Corners 5">
+            <a:extLst>
+              <a:ext uri="{FF2B5EF4-FFF2-40B4-BE49-F238E27FC236}">
+                <a16:creationId xmlns:a16="http://schemas.microsoft.com/office/drawing/2014/main" id="{2AE10A0F-3F3F-451D-9D55-12EF54641FCA}"/>
+              </a:ext>
+            </a:extLst>
+          </p:cNvPr>
+          <p:cNvSpPr/>
+          <p:nvPr/>
+        </p:nvSpPr>
+        <p:spPr>
+          <a:xfrm>
+            <a:off x="9756610" y="1912690"/>
+            <a:ext cx="1438443" cy="3221372"/>
+          </a:xfrm>
+          <a:prstGeom prst="roundRect">
+            <a:avLst/>
+          </a:prstGeom>
+          <a:solidFill>
+            <a:srgbClr val="92D050"/>
+          </a:solidFill>
+        </p:spPr>
+        <p:style>
+          <a:lnRef idx="1">
+            <a:schemeClr val="accent1"/>
+          </a:lnRef>
+          <a:fillRef idx="3">
+            <a:schemeClr val="accent1"/>
+          </a:fillRef>
+          <a:effectRef idx="2">
+            <a:schemeClr val="accent1"/>
+          </a:effectRef>
+          <a:fontRef idx="minor">
+            <a:schemeClr val="lt1"/>
+          </a:fontRef>
+        </p:style>
+        <p:txBody>
+          <a:bodyPr rtlCol="0" anchor="t" anchorCtr="0"/>
+          <a:lstStyle/>
+          <a:p>
+            <a:pPr marL="0" marR="0" lvl="0" indent="0" algn="ctr" defTabSz="457200" rtl="0" eaLnBrk="1" fontAlgn="auto" latinLnBrk="0" hangingPunct="1">
+              <a:lnSpc>
+                <a:spcPct val="100000"/>
+              </a:lnSpc>
+              <a:spcBef>
+                <a:spcPts val="0"/>
+              </a:spcBef>
+              <a:spcAft>
+                <a:spcPts val="0"/>
+              </a:spcAft>
+              <a:buClrTx/>
+              <a:buSzTx/>
+              <a:buFontTx/>
+              <a:buNone/>
+              <a:tabLst/>
+              <a:defRPr/>
+            </a:pPr>
+            <a:r>
+              <a:rPr kumimoji="0" lang="en-US" sz="1800" b="0" i="0" u="none" strike="noStrike" kern="1200" cap="none" spc="0" normalizeH="0" baseline="0" noProof="0" dirty="0">
+                <a:ln>
+                  <a:noFill/>
+                </a:ln>
+                <a:solidFill>
+                  <a:srgbClr val="FFFFFF"/>
+                </a:solidFill>
+                <a:effectLst/>
+                <a:uLnTx/>
+                <a:uFillTx/>
+                <a:latin typeface="Arial" panose="020B0604020202020204"/>
+                <a:ea typeface="+mn-ea"/>
+                <a:cs typeface="+mn-cs"/>
+              </a:rPr>
+              <a:t>1. Solve</a:t>
+            </a:r>
+          </a:p>
+        </p:txBody>
+      </p:sp>
+      <p:sp>
+        <p:nvSpPr>
+          <p:cNvPr id="13" name="Arrow: Left 12">
+            <a:extLst>
+              <a:ext uri="{FF2B5EF4-FFF2-40B4-BE49-F238E27FC236}">
+                <a16:creationId xmlns:a16="http://schemas.microsoft.com/office/drawing/2014/main" id="{CCDF136B-F8FA-4892-B90A-06B184A7BAAF}"/>
+              </a:ext>
+            </a:extLst>
+          </p:cNvPr>
+          <p:cNvSpPr/>
+          <p:nvPr/>
+        </p:nvSpPr>
+        <p:spPr>
+          <a:xfrm>
+            <a:off x="2896999" y="4377053"/>
+            <a:ext cx="5461233" cy="679508"/>
+          </a:xfrm>
+          <a:prstGeom prst="leftArrow">
+            <a:avLst/>
+          </a:prstGeom>
+          <a:solidFill>
+            <a:schemeClr val="accent5"/>
+          </a:solidFill>
+        </p:spPr>
+        <p:style>
+          <a:lnRef idx="1">
+            <a:schemeClr val="accent1"/>
+          </a:lnRef>
+          <a:fillRef idx="3">
+            <a:schemeClr val="accent1"/>
+          </a:fillRef>
+          <a:effectRef idx="2">
+            <a:schemeClr val="accent1"/>
+          </a:effectRef>
+          <a:fontRef idx="minor">
+            <a:schemeClr val="lt1"/>
+          </a:fontRef>
+        </p:style>
+        <p:txBody>
+          <a:bodyPr rtlCol="0" anchor="ctr"/>
+          <a:lstStyle/>
+          <a:p>
+            <a:pPr lvl="0" algn="ctr">
+              <a:defRPr/>
+            </a:pPr>
+            <a:r>
+              <a:rPr lang="en-US" dirty="0"/>
+              <a:t>pro::session::</a:t>
+            </a:r>
+            <a:r>
+              <a:rPr kumimoji="0" lang="en-US" sz="1800" b="0" i="0" u="none" strike="noStrike" kern="1200" cap="none" spc="0" normalizeH="0" baseline="0" noProof="0" dirty="0" err="1">
+                <a:ln>
+                  <a:noFill/>
+                </a:ln>
+                <a:solidFill>
+                  <a:srgbClr val="FFFFFF"/>
+                </a:solidFill>
+                <a:effectLst/>
+                <a:uLnTx/>
+                <a:uFillTx/>
+                <a:latin typeface="Arial" panose="020B0604020202020204"/>
+                <a:ea typeface="+mn-ea"/>
+                <a:cs typeface="+mn-cs"/>
+              </a:rPr>
+              <a:t>CurrentClientQueue</a:t>
+            </a:r>
+            <a:r>
+              <a:rPr kumimoji="0" lang="en-US" sz="1800" b="0" i="0" u="none" strike="noStrike" kern="1200" cap="none" spc="0" normalizeH="0" baseline="0" noProof="0" dirty="0">
+                <a:ln>
+                  <a:noFill/>
+                </a:ln>
+                <a:solidFill>
+                  <a:srgbClr val="FFFFFF"/>
+                </a:solidFill>
+                <a:effectLst/>
+                <a:uLnTx/>
+                <a:uFillTx/>
+                <a:latin typeface="Arial" panose="020B0604020202020204"/>
+                <a:ea typeface="+mn-ea"/>
+                <a:cs typeface="+mn-cs"/>
+              </a:rPr>
+              <a:t>()</a:t>
+            </a:r>
+          </a:p>
+        </p:txBody>
+      </p:sp>
+      <p:sp>
+        <p:nvSpPr>
+          <p:cNvPr id="7" name="Arrow: Right 6">
+            <a:extLst>
+              <a:ext uri="{FF2B5EF4-FFF2-40B4-BE49-F238E27FC236}">
+                <a16:creationId xmlns:a16="http://schemas.microsoft.com/office/drawing/2014/main" id="{33A3B26D-7896-48D3-95F0-D99CF5E712D2}"/>
+              </a:ext>
+            </a:extLst>
+          </p:cNvPr>
+          <p:cNvSpPr/>
+          <p:nvPr/>
+        </p:nvSpPr>
+        <p:spPr>
+          <a:xfrm>
+            <a:off x="2902591" y="2235859"/>
+            <a:ext cx="5461233" cy="679509"/>
+          </a:xfrm>
+          <a:prstGeom prst="rightArrow">
+            <a:avLst/>
+          </a:prstGeom>
+          <a:solidFill>
+            <a:schemeClr val="accent5"/>
+          </a:solidFill>
+        </p:spPr>
+        <p:style>
+          <a:lnRef idx="1">
+            <a:schemeClr val="accent1"/>
+          </a:lnRef>
+          <a:fillRef idx="3">
+            <a:schemeClr val="accent1"/>
+          </a:fillRef>
+          <a:effectRef idx="2">
+            <a:schemeClr val="accent1"/>
+          </a:effectRef>
+          <a:fontRef idx="minor">
+            <a:schemeClr val="lt1"/>
+          </a:fontRef>
+        </p:style>
+        <p:txBody>
+          <a:bodyPr rtlCol="0" anchor="ctr"/>
+          <a:lstStyle/>
+          <a:p>
+            <a:pPr algn="ctr"/>
+            <a:r>
+              <a:rPr lang="en-US" dirty="0"/>
+              <a:t>pro::session::</a:t>
+            </a:r>
+            <a:r>
+              <a:rPr lang="en-US" dirty="0" err="1"/>
+              <a:t>CurrentSessionQueue</a:t>
+            </a:r>
+            <a:r>
+              <a:rPr lang="en-US" dirty="0"/>
+              <a:t>()</a:t>
+            </a:r>
+          </a:p>
+        </p:txBody>
+      </p:sp>
+      <p:sp>
+        <p:nvSpPr>
+          <p:cNvPr id="8" name="Rectangle 7">
+            <a:extLst>
+              <a:ext uri="{FF2B5EF4-FFF2-40B4-BE49-F238E27FC236}">
+                <a16:creationId xmlns:a16="http://schemas.microsoft.com/office/drawing/2014/main" id="{FDD718E4-8B85-4BA5-8CA4-665B4A2A7517}"/>
+              </a:ext>
+            </a:extLst>
+          </p:cNvPr>
+          <p:cNvSpPr/>
+          <p:nvPr/>
+        </p:nvSpPr>
+        <p:spPr>
+          <a:xfrm>
+            <a:off x="3755957" y="1874647"/>
+            <a:ext cx="3710245" cy="620785"/>
+          </a:xfrm>
+          <a:prstGeom prst="rect">
+            <a:avLst/>
+          </a:prstGeom>
+          <a:noFill/>
+          <a:ln>
+            <a:noFill/>
+          </a:ln>
+        </p:spPr>
+        <p:style>
+          <a:lnRef idx="1">
+            <a:schemeClr val="accent1"/>
+          </a:lnRef>
+          <a:fillRef idx="3">
+            <a:schemeClr val="accent1"/>
+          </a:fillRef>
+          <a:effectRef idx="2">
+            <a:schemeClr val="accent1"/>
+          </a:effectRef>
+          <a:fontRef idx="minor">
+            <a:schemeClr val="lt1"/>
+          </a:fontRef>
+        </p:style>
+        <p:txBody>
+          <a:bodyPr rtlCol="0" anchor="ctr"/>
+          <a:lstStyle/>
+          <a:p>
+            <a:pPr algn="ctr"/>
+            <a:r>
+              <a:rPr lang="en-US" dirty="0">
+                <a:solidFill>
+                  <a:schemeClr val="tx1"/>
+                </a:solidFill>
+              </a:rPr>
+              <a:t>pro::</a:t>
+            </a:r>
+            <a:r>
+              <a:rPr lang="en-US" dirty="0" err="1">
+                <a:solidFill>
+                  <a:schemeClr val="tx1"/>
+                </a:solidFill>
+              </a:rPr>
+              <a:t>DelegateToServer</a:t>
+            </a:r>
+            <a:r>
+              <a:rPr lang="en-US" dirty="0">
+                <a:solidFill>
+                  <a:schemeClr val="tx1"/>
+                </a:solidFill>
+              </a:rPr>
+              <a:t>(…)</a:t>
+            </a:r>
+          </a:p>
+        </p:txBody>
+      </p:sp>
+      <p:sp>
+        <p:nvSpPr>
+          <p:cNvPr id="14" name="Rectangle 13">
+            <a:extLst>
+              <a:ext uri="{FF2B5EF4-FFF2-40B4-BE49-F238E27FC236}">
+                <a16:creationId xmlns:a16="http://schemas.microsoft.com/office/drawing/2014/main" id="{498790D7-C9BA-42C9-9C50-C4ED2C244A06}"/>
+              </a:ext>
+            </a:extLst>
+          </p:cNvPr>
+          <p:cNvSpPr/>
+          <p:nvPr/>
+        </p:nvSpPr>
+        <p:spPr>
+          <a:xfrm>
+            <a:off x="3755957" y="2641833"/>
+            <a:ext cx="3710245" cy="620785"/>
+          </a:xfrm>
+          <a:prstGeom prst="rect">
+            <a:avLst/>
+          </a:prstGeom>
+          <a:noFill/>
+          <a:ln>
+            <a:noFill/>
+          </a:ln>
+        </p:spPr>
+        <p:style>
+          <a:lnRef idx="1">
+            <a:schemeClr val="accent1"/>
+          </a:lnRef>
+          <a:fillRef idx="3">
+            <a:schemeClr val="accent1"/>
+          </a:fillRef>
+          <a:effectRef idx="2">
+            <a:schemeClr val="accent1"/>
+          </a:effectRef>
+          <a:fontRef idx="minor">
+            <a:schemeClr val="lt1"/>
+          </a:fontRef>
+        </p:style>
+        <p:txBody>
+          <a:bodyPr rtlCol="0" anchor="ctr"/>
+          <a:lstStyle/>
+          <a:p>
+            <a:pPr algn="ctr"/>
+            <a:r>
+              <a:rPr lang="en-US" dirty="0">
+                <a:solidFill>
+                  <a:schemeClr val="tx1"/>
+                </a:solidFill>
+              </a:rPr>
+              <a:t>pro::client::</a:t>
+            </a:r>
+            <a:r>
+              <a:rPr lang="en-US" dirty="0" err="1">
+                <a:solidFill>
+                  <a:schemeClr val="tx1"/>
+                </a:solidFill>
+              </a:rPr>
+              <a:t>StopExecution</a:t>
+            </a:r>
+            <a:r>
+              <a:rPr lang="en-US" dirty="0">
+                <a:solidFill>
+                  <a:schemeClr val="tx1"/>
+                </a:solidFill>
+              </a:rPr>
+              <a:t>(…)</a:t>
+            </a:r>
+          </a:p>
+        </p:txBody>
+      </p:sp>
+      <p:sp>
+        <p:nvSpPr>
+          <p:cNvPr id="15" name="Rectangle 14">
+            <a:extLst>
+              <a:ext uri="{FF2B5EF4-FFF2-40B4-BE49-F238E27FC236}">
+                <a16:creationId xmlns:a16="http://schemas.microsoft.com/office/drawing/2014/main" id="{35E30C73-F45B-4C37-842E-573368B47FED}"/>
+              </a:ext>
+            </a:extLst>
+          </p:cNvPr>
+          <p:cNvSpPr/>
+          <p:nvPr/>
+        </p:nvSpPr>
+        <p:spPr>
+          <a:xfrm>
+            <a:off x="3755957" y="4029804"/>
+            <a:ext cx="3710245" cy="620785"/>
+          </a:xfrm>
+          <a:prstGeom prst="rect">
+            <a:avLst/>
+          </a:prstGeom>
+          <a:noFill/>
+          <a:ln>
+            <a:noFill/>
+          </a:ln>
+        </p:spPr>
+        <p:style>
+          <a:lnRef idx="1">
+            <a:schemeClr val="accent1"/>
+          </a:lnRef>
+          <a:fillRef idx="3">
+            <a:schemeClr val="accent1"/>
+          </a:fillRef>
+          <a:effectRef idx="2">
+            <a:schemeClr val="accent1"/>
+          </a:effectRef>
+          <a:fontRef idx="minor">
+            <a:schemeClr val="lt1"/>
+          </a:fontRef>
+        </p:style>
+        <p:txBody>
+          <a:bodyPr rtlCol="0" anchor="ctr"/>
+          <a:lstStyle/>
+          <a:p>
+            <a:pPr algn="ctr"/>
+            <a:r>
+              <a:rPr lang="en-US" dirty="0">
+                <a:solidFill>
+                  <a:schemeClr val="tx1"/>
+                </a:solidFill>
+              </a:rPr>
+              <a:t>pro::</a:t>
+            </a:r>
+            <a:r>
+              <a:rPr lang="en-US" dirty="0" err="1">
+                <a:solidFill>
+                  <a:schemeClr val="tx1"/>
+                </a:solidFill>
+              </a:rPr>
+              <a:t>DelegateToClient</a:t>
+            </a:r>
+            <a:r>
+              <a:rPr lang="en-US" dirty="0">
+                <a:solidFill>
+                  <a:schemeClr val="tx1"/>
+                </a:solidFill>
+              </a:rPr>
+              <a:t>(…)</a:t>
+            </a:r>
+          </a:p>
+        </p:txBody>
+      </p:sp>
+    </p:spTree>
+    <p:extLst>
+      <p:ext uri="{BB962C8B-B14F-4D97-AF65-F5344CB8AC3E}">
+        <p14:creationId xmlns:p14="http://schemas.microsoft.com/office/powerpoint/2010/main" val="4165529984"/>
       </p:ext>
     </p:extLst>
   </p:cSld>
@@ -5891,21 +6633,6 @@
 </file>
 
 <file path=customXml/item1.xml><?xml version="1.0" encoding="utf-8"?>
-<?mso-contentType ?>
-<FormTemplates xmlns="http://schemas.microsoft.com/sharepoint/v3/contenttype/forms">
-  <Display>DocumentLibraryForm</Display>
-  <Edit>DocumentLibraryForm</Edit>
-  <New>DocumentLibraryForm</New>
-</FormTemplates>
-</file>
-
-<file path=customXml/item2.xml><?xml version="1.0" encoding="utf-8"?>
-<p:properties xmlns:p="http://schemas.microsoft.com/office/2006/metadata/properties" xmlns:xsi="http://www.w3.org/2001/XMLSchema-instance" xmlns:pc="http://schemas.microsoft.com/office/infopath/2007/PartnerControls">
-  <documentManagement/>
-</p:properties>
-</file>
-
-<file path=customXml/item3.xml><?xml version="1.0" encoding="utf-8"?>
 <ct:contentTypeSchema xmlns:ct="http://schemas.microsoft.com/office/2006/metadata/contentType" xmlns:ma="http://schemas.microsoft.com/office/2006/metadata/properties/metaAttributes" ct:_="" ma:_="" ma:contentTypeName="Document" ma:contentTypeID="0x0101003077E6D4C54119439DB8E5381724DDAA" ma:contentTypeVersion="3" ma:contentTypeDescription="Create a new document." ma:contentTypeScope="" ma:versionID="35325c12c4b8970beabc35f2e2efcbb5">
   <xsd:schema xmlns:xsd="http://www.w3.org/2001/XMLSchema" xmlns:xs="http://www.w3.org/2001/XMLSchema" xmlns:p="http://schemas.microsoft.com/office/2006/metadata/properties" xmlns:ns2="67d1ba68-3275-44c2-9ddb-2f8511f2ccbb" targetNamespace="http://schemas.microsoft.com/office/2006/metadata/properties" ma:root="true" ma:fieldsID="33e6c1fa542cdacee9e5295060f101a2" ns2:_="">
     <xsd:import namespace="67d1ba68-3275-44c2-9ddb-2f8511f2ccbb"/>
@@ -6059,31 +6786,22 @@
 </ct:contentTypeSchema>
 </file>
 
-<file path=customXml/itemProps1.xml><?xml version="1.0" encoding="utf-8"?>
-<ds:datastoreItem xmlns:ds="http://schemas.openxmlformats.org/officeDocument/2006/customXml" ds:itemID="{74BCA57B-8451-400D-AF6D-A9DBB4806AF2}">
-  <ds:schemaRefs>
-    <ds:schemaRef ds:uri="http://schemas.microsoft.com/sharepoint/v3/contenttype/forms"/>
-  </ds:schemaRefs>
-</ds:datastoreItem>
+<file path=customXml/item2.xml><?xml version="1.0" encoding="utf-8"?>
+<?mso-contentType ?>
+<FormTemplates xmlns="http://schemas.microsoft.com/sharepoint/v3/contenttype/forms">
+  <Display>DocumentLibraryForm</Display>
+  <Edit>DocumentLibraryForm</Edit>
+  <New>DocumentLibraryForm</New>
+</FormTemplates>
 </file>
 
-<file path=customXml/itemProps2.xml><?xml version="1.0" encoding="utf-8"?>
-<ds:datastoreItem xmlns:ds="http://schemas.openxmlformats.org/officeDocument/2006/customXml" ds:itemID="{F4BD4880-0C9A-491D-872C-CB84E58DA4AE}">
-  <ds:schemaRefs>
-    <ds:schemaRef ds:uri="http://purl.org/dc/terms/"/>
-    <ds:schemaRef ds:uri="http://schemas.openxmlformats.org/package/2006/metadata/core-properties"/>
-    <ds:schemaRef ds:uri="http://purl.org/dc/dcmitype/"/>
-    <ds:schemaRef ds:uri="http://schemas.microsoft.com/office/infopath/2007/PartnerControls"/>
-    <ds:schemaRef ds:uri="http://purl.org/dc/elements/1.1/"/>
-    <ds:schemaRef ds:uri="http://schemas.microsoft.com/office/2006/metadata/properties"/>
-    <ds:schemaRef ds:uri="http://schemas.microsoft.com/office/2006/documentManagement/types"/>
-    <ds:schemaRef ds:uri="67d1ba68-3275-44c2-9ddb-2f8511f2ccbb"/>
-    <ds:schemaRef ds:uri="http://www.w3.org/XML/1998/namespace"/>
-  </ds:schemaRefs>
-</ds:datastoreItem>
+<file path=customXml/item3.xml><?xml version="1.0" encoding="utf-8"?>
+<p:properties xmlns:p="http://schemas.microsoft.com/office/2006/metadata/properties" xmlns:xsi="http://www.w3.org/2001/XMLSchema-instance" xmlns:pc="http://schemas.microsoft.com/office/infopath/2007/PartnerControls">
+  <documentManagement/>
+</p:properties>
 </file>
 
-<file path=customXml/itemProps3.xml><?xml version="1.0" encoding="utf-8"?>
+<file path=customXml/itemProps1.xml><?xml version="1.0" encoding="utf-8"?>
 <ds:datastoreItem xmlns:ds="http://schemas.openxmlformats.org/officeDocument/2006/customXml" ds:itemID="{3A2EFE34-A918-4452-B6BD-4425E6B1970F}">
   <ds:schemaRefs>
     <ds:schemaRef ds:uri="http://schemas.microsoft.com/office/2006/metadata/contentType"/>
@@ -6099,4 +6817,28 @@
     <ds:schemaRef ds:uri="http://schemas.microsoft.com/internal/obd"/>
   </ds:schemaRefs>
 </ds:datastoreItem>
+</file>
+
+<file path=customXml/itemProps2.xml><?xml version="1.0" encoding="utf-8"?>
+<ds:datastoreItem xmlns:ds="http://schemas.openxmlformats.org/officeDocument/2006/customXml" ds:itemID="{74BCA57B-8451-400D-AF6D-A9DBB4806AF2}">
+  <ds:schemaRefs>
+    <ds:schemaRef ds:uri="http://schemas.microsoft.com/sharepoint/v3/contenttype/forms"/>
+  </ds:schemaRefs>
+</ds:datastoreItem>
+</file>
+
+<file path=customXml/itemProps3.xml><?xml version="1.0" encoding="utf-8"?>
+<ds:datastoreItem xmlns:ds="http://schemas.openxmlformats.org/officeDocument/2006/customXml" ds:itemID="{F4BD4880-0C9A-491D-872C-CB84E58DA4AE}">
+  <ds:schemaRefs>
+    <ds:schemaRef ds:uri="http://schemas.openxmlformats.org/package/2006/metadata/core-properties"/>
+    <ds:schemaRef ds:uri="http://www.w3.org/XML/1998/namespace"/>
+    <ds:schemaRef ds:uri="http://schemas.microsoft.com/office/2006/documentManagement/types"/>
+    <ds:schemaRef ds:uri="http://purl.org/dc/terms/"/>
+    <ds:schemaRef ds:uri="http://purl.org/dc/dcmitype/"/>
+    <ds:schemaRef ds:uri="67d1ba68-3275-44c2-9ddb-2f8511f2ccbb"/>
+    <ds:schemaRef ds:uri="http://schemas.microsoft.com/office/infopath/2007/PartnerControls"/>
+    <ds:schemaRef ds:uri="http://schemas.microsoft.com/office/2006/metadata/properties"/>
+    <ds:schemaRef ds:uri="http://purl.org/dc/elements/1.1/"/>
+  </ds:schemaRefs>
+</ds:datastoreItem>
 </file>